--- a/Daily Agendas/Day11.1_OsConceptMap3.pptx
+++ b/Daily Agendas/Day11.1_OsConceptMap3.pptx
@@ -304,7 +304,7 @@
             <a:fld id="{1D8BD707-D9CF-40AE-B4C6-C98DA3205C09}" type="datetimeFigureOut">
               <a:rPr lang="en-US" smtClean="0"/>
               <a:pPr/>
-              <a:t>11/11/2018</a:t>
+              <a:t>11/12/2018</a:t>
             </a:fld>
             <a:endParaRPr lang="en-US"/>
           </a:p>
@@ -469,7 +469,7 @@
             <a:fld id="{1D8BD707-D9CF-40AE-B4C6-C98DA3205C09}" type="datetimeFigureOut">
               <a:rPr lang="en-US" smtClean="0"/>
               <a:pPr/>
-              <a:t>11/11/2018</a:t>
+              <a:t>11/12/2018</a:t>
             </a:fld>
             <a:endParaRPr lang="en-US"/>
           </a:p>
@@ -644,7 +644,7 @@
             <a:fld id="{1D8BD707-D9CF-40AE-B4C6-C98DA3205C09}" type="datetimeFigureOut">
               <a:rPr lang="en-US" smtClean="0"/>
               <a:pPr/>
-              <a:t>11/11/2018</a:t>
+              <a:t>11/12/2018</a:t>
             </a:fld>
             <a:endParaRPr lang="en-US"/>
           </a:p>
@@ -809,7 +809,7 @@
             <a:fld id="{1D8BD707-D9CF-40AE-B4C6-C98DA3205C09}" type="datetimeFigureOut">
               <a:rPr lang="en-US" smtClean="0"/>
               <a:pPr/>
-              <a:t>11/11/2018</a:t>
+              <a:t>11/12/2018</a:t>
             </a:fld>
             <a:endParaRPr lang="en-US"/>
           </a:p>
@@ -1051,7 +1051,7 @@
             <a:fld id="{1D8BD707-D9CF-40AE-B4C6-C98DA3205C09}" type="datetimeFigureOut">
               <a:rPr lang="en-US" smtClean="0"/>
               <a:pPr/>
-              <a:t>11/11/2018</a:t>
+              <a:t>11/12/2018</a:t>
             </a:fld>
             <a:endParaRPr lang="en-US"/>
           </a:p>
@@ -1333,7 +1333,7 @@
             <a:fld id="{1D8BD707-D9CF-40AE-B4C6-C98DA3205C09}" type="datetimeFigureOut">
               <a:rPr lang="en-US" smtClean="0"/>
               <a:pPr/>
-              <a:t>11/11/2018</a:t>
+              <a:t>11/12/2018</a:t>
             </a:fld>
             <a:endParaRPr lang="en-US"/>
           </a:p>
@@ -1749,7 +1749,7 @@
             <a:fld id="{1D8BD707-D9CF-40AE-B4C6-C98DA3205C09}" type="datetimeFigureOut">
               <a:rPr lang="en-US" smtClean="0"/>
               <a:pPr/>
-              <a:t>11/11/2018</a:t>
+              <a:t>11/12/2018</a:t>
             </a:fld>
             <a:endParaRPr lang="en-US"/>
           </a:p>
@@ -1863,7 +1863,7 @@
             <a:fld id="{1D8BD707-D9CF-40AE-B4C6-C98DA3205C09}" type="datetimeFigureOut">
               <a:rPr lang="en-US" smtClean="0"/>
               <a:pPr/>
-              <a:t>11/11/2018</a:t>
+              <a:t>11/12/2018</a:t>
             </a:fld>
             <a:endParaRPr lang="en-US"/>
           </a:p>
@@ -1955,7 +1955,7 @@
             <a:fld id="{1D8BD707-D9CF-40AE-B4C6-C98DA3205C09}" type="datetimeFigureOut">
               <a:rPr lang="en-US" smtClean="0"/>
               <a:pPr/>
-              <a:t>11/11/2018</a:t>
+              <a:t>11/12/2018</a:t>
             </a:fld>
             <a:endParaRPr lang="en-US"/>
           </a:p>
@@ -2227,7 +2227,7 @@
             <a:fld id="{1D8BD707-D9CF-40AE-B4C6-C98DA3205C09}" type="datetimeFigureOut">
               <a:rPr lang="en-US" smtClean="0"/>
               <a:pPr/>
-              <a:t>11/11/2018</a:t>
+              <a:t>11/12/2018</a:t>
             </a:fld>
             <a:endParaRPr lang="en-US"/>
           </a:p>
@@ -2476,7 +2476,7 @@
             <a:fld id="{1D8BD707-D9CF-40AE-B4C6-C98DA3205C09}" type="datetimeFigureOut">
               <a:rPr lang="en-US" smtClean="0"/>
               <a:pPr/>
-              <a:t>11/11/2018</a:t>
+              <a:t>11/12/2018</a:t>
             </a:fld>
             <a:endParaRPr lang="en-US"/>
           </a:p>
@@ -2684,7 +2684,7 @@
             <a:fld id="{1D8BD707-D9CF-40AE-B4C6-C98DA3205C09}" type="datetimeFigureOut">
               <a:rPr lang="en-US" smtClean="0"/>
               <a:pPr/>
-              <a:t>11/11/2018</a:t>
+              <a:t>11/12/2018</a:t>
             </a:fld>
             <a:endParaRPr lang="en-US"/>
           </a:p>
@@ -3213,6 +3213,13 @@
   <p:clrMapOvr>
     <a:masterClrMapping/>
   </p:clrMapOvr>
+  <p:timing>
+    <p:tnLst>
+      <p:par>
+        <p:cTn id="1" dur="indefinite" restart="never" nodeType="tmRoot"/>
+      </p:par>
+    </p:tnLst>
+  </p:timing>
 </p:sld>
 </file>
 
@@ -3309,21 +3316,31 @@
               <a:t>Level 2 – Understanding </a:t>
             </a:r>
             <a:r>
+              <a:rPr lang="en-US" dirty="0" smtClean="0"/>
+              <a:t>(Complete Today)</a:t>
+            </a:r>
+            <a:endParaRPr lang="en-US" dirty="0"/>
+          </a:p>
+          <a:p>
+            <a:pPr lvl="2"/>
+            <a:r>
               <a:rPr lang="en-US" dirty="0"/>
-              <a:t>(Today/Monday)</a:t>
-            </a:r>
-          </a:p>
-          <a:p>
-            <a:pPr lvl="2"/>
+              <a:t>Level 3 – Implementation (</a:t>
+            </a:r>
+            <a:r>
+              <a:rPr lang="en-US" dirty="0" smtClean="0"/>
+              <a:t>Tomorrow/Wednesday)</a:t>
+            </a:r>
+            <a:endParaRPr lang="en-US" dirty="0"/>
+          </a:p>
+          <a:p>
+            <a:pPr marL="914400" lvl="2" indent="0">
+              <a:buNone/>
+            </a:pPr>
             <a:r>
               <a:rPr lang="en-US" dirty="0"/>
-              <a:t>Level 3 – Implementation (Tomorrow)</a:t>
-            </a:r>
-          </a:p>
-          <a:p>
-            <a:pPr marL="914400" lvl="2" indent="0">
-              <a:buNone/>
-            </a:pPr>
+              <a:t/>
+            </a:r>
             <a:br>
               <a:rPr lang="en-US" dirty="0"/>
             </a:br>
@@ -3338,8 +3355,12 @@
           <a:p>
             <a:pPr lvl="1"/>
             <a:r>
-              <a:rPr lang="en-CA"/>
-              <a:t>T.b.d.</a:t>
+              <a:rPr lang="en-CA" dirty="0" smtClean="0"/>
+              <a:t>Wednesday: Lifecycle </a:t>
+            </a:r>
+            <a:r>
+              <a:rPr lang="en-CA" smtClean="0"/>
+              <a:t>Documentation Complete</a:t>
             </a:r>
             <a:endParaRPr lang="en-US" dirty="0"/>
           </a:p>
@@ -3355,6 +3376,13 @@
   <p:clrMapOvr>
     <a:masterClrMapping/>
   </p:clrMapOvr>
+  <p:timing>
+    <p:tnLst>
+      <p:par>
+        <p:cTn id="1" dur="indefinite" restart="never" nodeType="tmRoot"/>
+      </p:par>
+    </p:tnLst>
+  </p:timing>
 </p:sld>
 </file>
 
